--- a/In Vitro Neural Implant Tester with Hardware-In-The-Loop Simulation/In Vitro Neural Implant Tester with Hardware-In-The-Loop Simulation.pptx
+++ b/In Vitro Neural Implant Tester with Hardware-In-The-Loop Simulation/In Vitro Neural Implant Tester with Hardware-In-The-Loop Simulation.pptx
@@ -3762,9 +3762,18 @@
           </a:p>
           <a:p>
             <a:r>
-              <a:rPr lang="en-US" dirty="0"/>
-              <a:t>6/10/2024</a:t>
-            </a:r>
+              <a:rPr lang="en-US"/>
+              <a:t>6/1</a:t>
+            </a:r>
+            <a:r>
+              <a:rPr lang="en-US" altLang="zh-CN"/>
+              <a:t>1</a:t>
+            </a:r>
+            <a:r>
+              <a:rPr lang="en-US"/>
+              <a:t>/2024</a:t>
+            </a:r>
+            <a:endParaRPr lang="en-US" dirty="0"/>
           </a:p>
           <a:p>
             <a:endParaRPr lang="en-US" dirty="0"/>
@@ -5196,8 +5205,8 @@
           </a:p>
         </p:txBody>
       </p:sp>
-      <mc:AlternateContent xmlns:mc="http://schemas.openxmlformats.org/markup-compatibility/2006">
-        <mc:Choice xmlns:p14="http://schemas.microsoft.com/office/powerpoint/2010/main" Requires="p14">
+      <mc:AlternateContent xmlns:mc="http://schemas.openxmlformats.org/markup-compatibility/2006" xmlns:p14="http://schemas.microsoft.com/office/powerpoint/2010/main">
+        <mc:Choice Requires="p14">
           <p:contentPart p14:bwMode="auto" r:id="rId3">
             <p14:nvContentPartPr>
               <p14:cNvPr id="15" name="Ink 14">
@@ -5216,7 +5225,7 @@
             </p14:xfrm>
           </p:contentPart>
         </mc:Choice>
-        <mc:Fallback>
+        <mc:Fallback xmlns="">
           <p:pic>
             <p:nvPicPr>
               <p:cNvPr id="15" name="Ink 14">
@@ -5380,8 +5389,8 @@
           </a:p>
         </p:txBody>
       </p:sp>
-      <mc:AlternateContent xmlns:mc="http://schemas.openxmlformats.org/markup-compatibility/2006">
-        <mc:Choice xmlns:p14="http://schemas.microsoft.com/office/powerpoint/2010/main" Requires="p14">
+      <mc:AlternateContent xmlns:mc="http://schemas.openxmlformats.org/markup-compatibility/2006" xmlns:p14="http://schemas.microsoft.com/office/powerpoint/2010/main">
+        <mc:Choice Requires="p14">
           <p:contentPart p14:bwMode="auto" r:id="rId5">
             <p14:nvContentPartPr>
               <p14:cNvPr id="18" name="Ink 17">
@@ -5400,7 +5409,7 @@
             </p14:xfrm>
           </p:contentPart>
         </mc:Choice>
-        <mc:Fallback>
+        <mc:Fallback xmlns="">
           <p:pic>
             <p:nvPicPr>
               <p:cNvPr id="18" name="Ink 17">
@@ -5431,8 +5440,8 @@
           </p:pic>
         </mc:Fallback>
       </mc:AlternateContent>
-      <mc:AlternateContent xmlns:mc="http://schemas.openxmlformats.org/markup-compatibility/2006">
-        <mc:Choice xmlns:p14="http://schemas.microsoft.com/office/powerpoint/2010/main" Requires="p14">
+      <mc:AlternateContent xmlns:mc="http://schemas.openxmlformats.org/markup-compatibility/2006" xmlns:p14="http://schemas.microsoft.com/office/powerpoint/2010/main">
+        <mc:Choice Requires="p14">
           <p:contentPart p14:bwMode="auto" r:id="rId7">
             <p14:nvContentPartPr>
               <p14:cNvPr id="21" name="Ink 20">
@@ -5451,7 +5460,7 @@
             </p14:xfrm>
           </p:contentPart>
         </mc:Choice>
-        <mc:Fallback>
+        <mc:Fallback xmlns="">
           <p:pic>
             <p:nvPicPr>
               <p:cNvPr id="21" name="Ink 20">
@@ -6411,8 +6420,8 @@
           </a:p>
         </p:txBody>
       </p:sp>
-      <mc:AlternateContent xmlns:mc="http://schemas.openxmlformats.org/markup-compatibility/2006">
-        <mc:Choice xmlns:p14="http://schemas.microsoft.com/office/powerpoint/2010/main" Requires="p14">
+      <mc:AlternateContent xmlns:mc="http://schemas.openxmlformats.org/markup-compatibility/2006" xmlns:p14="http://schemas.microsoft.com/office/powerpoint/2010/main">
+        <mc:Choice Requires="p14">
           <p:contentPart p14:bwMode="auto" r:id="rId3">
             <p14:nvContentPartPr>
               <p14:cNvPr id="3" name="Ink 2">
@@ -6431,7 +6440,7 @@
             </p14:xfrm>
           </p:contentPart>
         </mc:Choice>
-        <mc:Fallback>
+        <mc:Fallback xmlns="">
           <p:pic>
             <p:nvPicPr>
               <p:cNvPr id="3" name="Ink 2">
@@ -6753,8 +6762,8 @@
           </a:p>
         </p:txBody>
       </p:sp>
-      <mc:AlternateContent xmlns:mc="http://schemas.openxmlformats.org/markup-compatibility/2006">
-        <mc:Choice xmlns:p14="http://schemas.microsoft.com/office/powerpoint/2010/main" Requires="p14">
+      <mc:AlternateContent xmlns:mc="http://schemas.openxmlformats.org/markup-compatibility/2006" xmlns:p14="http://schemas.microsoft.com/office/powerpoint/2010/main">
+        <mc:Choice Requires="p14">
           <p:contentPart p14:bwMode="auto" r:id="rId5">
             <p14:nvContentPartPr>
               <p14:cNvPr id="23" name="Ink 22">
@@ -6773,7 +6782,7 @@
             </p14:xfrm>
           </p:contentPart>
         </mc:Choice>
-        <mc:Fallback>
+        <mc:Fallback xmlns="">
           <p:pic>
             <p:nvPicPr>
               <p:cNvPr id="23" name="Ink 22">
@@ -7072,8 +7081,8 @@
           </a:p>
         </p:txBody>
       </p:sp>
-      <mc:AlternateContent xmlns:mc="http://schemas.openxmlformats.org/markup-compatibility/2006">
-        <mc:Choice xmlns:p14="http://schemas.microsoft.com/office/powerpoint/2010/main" Requires="p14">
+      <mc:AlternateContent xmlns:mc="http://schemas.openxmlformats.org/markup-compatibility/2006" xmlns:p14="http://schemas.microsoft.com/office/powerpoint/2010/main">
+        <mc:Choice Requires="p14">
           <p:contentPart p14:bwMode="auto" r:id="rId7">
             <p14:nvContentPartPr>
               <p14:cNvPr id="29" name="Ink 28">
@@ -7092,7 +7101,7 @@
             </p14:xfrm>
           </p:contentPart>
         </mc:Choice>
-        <mc:Fallback>
+        <mc:Fallback xmlns="">
           <p:pic>
             <p:nvPicPr>
               <p:cNvPr id="29" name="Ink 28">
@@ -7272,8 +7281,8 @@
           </a:p>
         </p:txBody>
       </p:sp>
-      <mc:AlternateContent xmlns:mc="http://schemas.openxmlformats.org/markup-compatibility/2006">
-        <mc:Choice xmlns:p14="http://schemas.microsoft.com/office/powerpoint/2010/main" Requires="p14">
+      <mc:AlternateContent xmlns:mc="http://schemas.openxmlformats.org/markup-compatibility/2006" xmlns:p14="http://schemas.microsoft.com/office/powerpoint/2010/main">
+        <mc:Choice Requires="p14">
           <p:contentPart p14:bwMode="auto" r:id="rId9">
             <p14:nvContentPartPr>
               <p14:cNvPr id="35" name="Ink 34">
@@ -7292,7 +7301,7 @@
             </p14:xfrm>
           </p:contentPart>
         </mc:Choice>
-        <mc:Fallback>
+        <mc:Fallback xmlns="">
           <p:pic>
             <p:nvPicPr>
               <p:cNvPr id="35" name="Ink 34">
@@ -7430,8 +7439,8 @@
           </a:p>
         </p:txBody>
       </p:sp>
-      <mc:AlternateContent xmlns:mc="http://schemas.openxmlformats.org/markup-compatibility/2006">
-        <mc:Choice xmlns:p14="http://schemas.microsoft.com/office/powerpoint/2010/main" Requires="p14">
+      <mc:AlternateContent xmlns:mc="http://schemas.openxmlformats.org/markup-compatibility/2006" xmlns:p14="http://schemas.microsoft.com/office/powerpoint/2010/main">
+        <mc:Choice Requires="p14">
           <p:contentPart p14:bwMode="auto" r:id="rId11">
             <p14:nvContentPartPr>
               <p14:cNvPr id="38" name="Ink 37">
@@ -7450,7 +7459,7 @@
             </p14:xfrm>
           </p:contentPart>
         </mc:Choice>
-        <mc:Fallback>
+        <mc:Fallback xmlns="">
           <p:pic>
             <p:nvPicPr>
               <p:cNvPr id="38" name="Ink 37">
@@ -7481,8 +7490,8 @@
           </p:pic>
         </mc:Fallback>
       </mc:AlternateContent>
-      <mc:AlternateContent xmlns:mc="http://schemas.openxmlformats.org/markup-compatibility/2006">
-        <mc:Choice xmlns:p14="http://schemas.microsoft.com/office/powerpoint/2010/main" Requires="p14">
+      <mc:AlternateContent xmlns:mc="http://schemas.openxmlformats.org/markup-compatibility/2006" xmlns:p14="http://schemas.microsoft.com/office/powerpoint/2010/main">
+        <mc:Choice Requires="p14">
           <p:contentPart p14:bwMode="auto" r:id="rId13">
             <p14:nvContentPartPr>
               <p14:cNvPr id="39" name="Ink 38">
@@ -7501,7 +7510,7 @@
             </p14:xfrm>
           </p:contentPart>
         </mc:Choice>
-        <mc:Fallback>
+        <mc:Fallback xmlns="">
           <p:pic>
             <p:nvPicPr>
               <p:cNvPr id="39" name="Ink 38">
@@ -7607,8 +7616,8 @@
           </a:p>
         </p:txBody>
       </p:sp>
-      <mc:AlternateContent xmlns:mc="http://schemas.openxmlformats.org/markup-compatibility/2006">
-        <mc:Choice xmlns:p14="http://schemas.microsoft.com/office/powerpoint/2010/main" Requires="p14">
+      <mc:AlternateContent xmlns:mc="http://schemas.openxmlformats.org/markup-compatibility/2006" xmlns:p14="http://schemas.microsoft.com/office/powerpoint/2010/main">
+        <mc:Choice Requires="p14">
           <p:contentPart p14:bwMode="auto" r:id="rId15">
             <p14:nvContentPartPr>
               <p14:cNvPr id="42" name="Ink 41">
@@ -7627,7 +7636,7 @@
             </p14:xfrm>
           </p:contentPart>
         </mc:Choice>
-        <mc:Fallback>
+        <mc:Fallback xmlns="">
           <p:pic>
             <p:nvPicPr>
               <p:cNvPr id="42" name="Ink 41">
@@ -7658,8 +7667,8 @@
           </p:pic>
         </mc:Fallback>
       </mc:AlternateContent>
-      <mc:AlternateContent xmlns:mc="http://schemas.openxmlformats.org/markup-compatibility/2006">
-        <mc:Choice xmlns:p14="http://schemas.microsoft.com/office/powerpoint/2010/main" Requires="p14">
+      <mc:AlternateContent xmlns:mc="http://schemas.openxmlformats.org/markup-compatibility/2006" xmlns:p14="http://schemas.microsoft.com/office/powerpoint/2010/main">
+        <mc:Choice Requires="p14">
           <p:contentPart p14:bwMode="auto" r:id="rId17">
             <p14:nvContentPartPr>
               <p14:cNvPr id="44" name="Ink 43">
@@ -7678,7 +7687,7 @@
             </p14:xfrm>
           </p:contentPart>
         </mc:Choice>
-        <mc:Fallback>
+        <mc:Fallback xmlns="">
           <p:pic>
             <p:nvPicPr>
               <p:cNvPr id="44" name="Ink 43">
@@ -7709,8 +7718,8 @@
           </p:pic>
         </mc:Fallback>
       </mc:AlternateContent>
-      <mc:AlternateContent xmlns:mc="http://schemas.openxmlformats.org/markup-compatibility/2006">
-        <mc:Choice xmlns:p14="http://schemas.microsoft.com/office/powerpoint/2010/main" Requires="p14">
+      <mc:AlternateContent xmlns:mc="http://schemas.openxmlformats.org/markup-compatibility/2006" xmlns:p14="http://schemas.microsoft.com/office/powerpoint/2010/main">
+        <mc:Choice Requires="p14">
           <p:contentPart p14:bwMode="auto" r:id="rId19">
             <p14:nvContentPartPr>
               <p14:cNvPr id="45" name="Ink 44">
@@ -7729,7 +7738,7 @@
             </p14:xfrm>
           </p:contentPart>
         </mc:Choice>
-        <mc:Fallback>
+        <mc:Fallback xmlns="">
           <p:pic>
             <p:nvPicPr>
               <p:cNvPr id="45" name="Ink 44">
@@ -7832,8 +7841,8 @@
           </a:p>
         </p:txBody>
       </p:sp>
-      <mc:AlternateContent xmlns:mc="http://schemas.openxmlformats.org/markup-compatibility/2006">
-        <mc:Choice xmlns:p14="http://schemas.microsoft.com/office/powerpoint/2010/main" Requires="p14">
+      <mc:AlternateContent xmlns:mc="http://schemas.openxmlformats.org/markup-compatibility/2006" xmlns:p14="http://schemas.microsoft.com/office/powerpoint/2010/main">
+        <mc:Choice Requires="p14">
           <p:contentPart p14:bwMode="auto" r:id="rId21">
             <p14:nvContentPartPr>
               <p14:cNvPr id="47" name="Ink 46">
@@ -7852,7 +7861,7 @@
             </p14:xfrm>
           </p:contentPart>
         </mc:Choice>
-        <mc:Fallback>
+        <mc:Fallback xmlns="">
           <p:pic>
             <p:nvPicPr>
               <p:cNvPr id="47" name="Ink 46">
